--- a/figures/Chapter 4 - Introduction to Graph Theory/4.5 Dijkstra's Algorithm.pptx
+++ b/figures/Chapter 4 - Introduction to Graph Theory/4.5 Dijkstra's Algorithm.pptx
@@ -168,10 +168,9 @@
           </a:lstStyle>
           <a:p>
             <a:r>
-              <a:rPr lang="en-US" smtClean="0"/>
+              <a:rPr lang="en-US"/>
               <a:t>Click to edit Master title style</a:t>
             </a:r>
-            <a:endParaRPr lang="en-US"/>
           </a:p>
         </p:txBody>
       </p:sp>
@@ -233,10 +232,9 @@
           </a:lstStyle>
           <a:p>
             <a:r>
-              <a:rPr lang="en-US" smtClean="0"/>
+              <a:rPr lang="en-US"/>
               <a:t>Click to edit Master subtitle style</a:t>
             </a:r>
-            <a:endParaRPr lang="en-US"/>
           </a:p>
         </p:txBody>
       </p:sp>
@@ -257,7 +255,7 @@
           <a:p>
             <a:fld id="{BB7DCC67-5970-4D38-BCD6-A5FE23A66C8D}" type="datetimeFigureOut">
               <a:rPr lang="en-US" smtClean="0"/>
-              <a:t>7/31/2016</a:t>
+              <a:t>5/8/18</a:t>
             </a:fld>
             <a:endParaRPr lang="en-US"/>
           </a:p>
@@ -351,10 +349,9 @@
           <a:lstStyle/>
           <a:p>
             <a:r>
-              <a:rPr lang="en-US" smtClean="0"/>
+              <a:rPr lang="en-US"/>
               <a:t>Click to edit Master title style</a:t>
             </a:r>
-            <a:endParaRPr lang="en-US"/>
           </a:p>
         </p:txBody>
       </p:sp>
@@ -375,38 +372,37 @@
           <a:p>
             <a:pPr lvl="0"/>
             <a:r>
-              <a:rPr lang="en-US" smtClean="0"/>
+              <a:rPr lang="en-US"/>
               <a:t>Click to edit Master text styles</a:t>
             </a:r>
           </a:p>
           <a:p>
             <a:pPr lvl="1"/>
             <a:r>
-              <a:rPr lang="en-US" smtClean="0"/>
+              <a:rPr lang="en-US"/>
               <a:t>Second level</a:t>
             </a:r>
           </a:p>
           <a:p>
             <a:pPr lvl="2"/>
             <a:r>
-              <a:rPr lang="en-US" smtClean="0"/>
+              <a:rPr lang="en-US"/>
               <a:t>Third level</a:t>
             </a:r>
           </a:p>
           <a:p>
             <a:pPr lvl="3"/>
             <a:r>
-              <a:rPr lang="en-US" smtClean="0"/>
+              <a:rPr lang="en-US"/>
               <a:t>Fourth level</a:t>
             </a:r>
           </a:p>
           <a:p>
             <a:pPr lvl="4"/>
             <a:r>
-              <a:rPr lang="en-US" smtClean="0"/>
+              <a:rPr lang="en-US"/>
               <a:t>Fifth level</a:t>
             </a:r>
-            <a:endParaRPr lang="en-US"/>
           </a:p>
         </p:txBody>
       </p:sp>
@@ -427,7 +423,7 @@
           <a:p>
             <a:fld id="{BB7DCC67-5970-4D38-BCD6-A5FE23A66C8D}" type="datetimeFigureOut">
               <a:rPr lang="en-US" smtClean="0"/>
-              <a:t>7/31/2016</a:t>
+              <a:t>5/8/18</a:t>
             </a:fld>
             <a:endParaRPr lang="en-US"/>
           </a:p>
@@ -526,10 +522,9 @@
           <a:lstStyle/>
           <a:p>
             <a:r>
-              <a:rPr lang="en-US" smtClean="0"/>
+              <a:rPr lang="en-US"/>
               <a:t>Click to edit Master title style</a:t>
             </a:r>
-            <a:endParaRPr lang="en-US"/>
           </a:p>
         </p:txBody>
       </p:sp>
@@ -555,38 +550,37 @@
           <a:p>
             <a:pPr lvl="0"/>
             <a:r>
-              <a:rPr lang="en-US" smtClean="0"/>
+              <a:rPr lang="en-US"/>
               <a:t>Click to edit Master text styles</a:t>
             </a:r>
           </a:p>
           <a:p>
             <a:pPr lvl="1"/>
             <a:r>
-              <a:rPr lang="en-US" smtClean="0"/>
+              <a:rPr lang="en-US"/>
               <a:t>Second level</a:t>
             </a:r>
           </a:p>
           <a:p>
             <a:pPr lvl="2"/>
             <a:r>
-              <a:rPr lang="en-US" smtClean="0"/>
+              <a:rPr lang="en-US"/>
               <a:t>Third level</a:t>
             </a:r>
           </a:p>
           <a:p>
             <a:pPr lvl="3"/>
             <a:r>
-              <a:rPr lang="en-US" smtClean="0"/>
+              <a:rPr lang="en-US"/>
               <a:t>Fourth level</a:t>
             </a:r>
           </a:p>
           <a:p>
             <a:pPr lvl="4"/>
             <a:r>
-              <a:rPr lang="en-US" smtClean="0"/>
+              <a:rPr lang="en-US"/>
               <a:t>Fifth level</a:t>
             </a:r>
-            <a:endParaRPr lang="en-US"/>
           </a:p>
         </p:txBody>
       </p:sp>
@@ -607,7 +601,7 @@
           <a:p>
             <a:fld id="{BB7DCC67-5970-4D38-BCD6-A5FE23A66C8D}" type="datetimeFigureOut">
               <a:rPr lang="en-US" smtClean="0"/>
-              <a:t>7/31/2016</a:t>
+              <a:t>5/8/18</a:t>
             </a:fld>
             <a:endParaRPr lang="en-US"/>
           </a:p>
@@ -701,10 +695,9 @@
           <a:lstStyle/>
           <a:p>
             <a:r>
-              <a:rPr lang="en-US" smtClean="0"/>
+              <a:rPr lang="en-US"/>
               <a:t>Click to edit Master title style</a:t>
             </a:r>
-            <a:endParaRPr lang="en-US"/>
           </a:p>
         </p:txBody>
       </p:sp>
@@ -725,38 +718,37 @@
           <a:p>
             <a:pPr lvl="0"/>
             <a:r>
-              <a:rPr lang="en-US" smtClean="0"/>
+              <a:rPr lang="en-US"/>
               <a:t>Click to edit Master text styles</a:t>
             </a:r>
           </a:p>
           <a:p>
             <a:pPr lvl="1"/>
             <a:r>
-              <a:rPr lang="en-US" smtClean="0"/>
+              <a:rPr lang="en-US"/>
               <a:t>Second level</a:t>
             </a:r>
           </a:p>
           <a:p>
             <a:pPr lvl="2"/>
             <a:r>
-              <a:rPr lang="en-US" smtClean="0"/>
+              <a:rPr lang="en-US"/>
               <a:t>Third level</a:t>
             </a:r>
           </a:p>
           <a:p>
             <a:pPr lvl="3"/>
             <a:r>
-              <a:rPr lang="en-US" smtClean="0"/>
+              <a:rPr lang="en-US"/>
               <a:t>Fourth level</a:t>
             </a:r>
           </a:p>
           <a:p>
             <a:pPr lvl="4"/>
             <a:r>
-              <a:rPr lang="en-US" smtClean="0"/>
+              <a:rPr lang="en-US"/>
               <a:t>Fifth level</a:t>
             </a:r>
-            <a:endParaRPr lang="en-US"/>
           </a:p>
         </p:txBody>
       </p:sp>
@@ -777,7 +769,7 @@
           <a:p>
             <a:fld id="{BB7DCC67-5970-4D38-BCD6-A5FE23A66C8D}" type="datetimeFigureOut">
               <a:rPr lang="en-US" smtClean="0"/>
-              <a:t>7/31/2016</a:t>
+              <a:t>5/8/18</a:t>
             </a:fld>
             <a:endParaRPr lang="en-US"/>
           </a:p>
@@ -880,10 +872,9 @@
           </a:lstStyle>
           <a:p>
             <a:r>
-              <a:rPr lang="en-US" smtClean="0"/>
+              <a:rPr lang="en-US"/>
               <a:t>Click to edit Master title style</a:t>
             </a:r>
-            <a:endParaRPr lang="en-US"/>
           </a:p>
         </p:txBody>
       </p:sp>
@@ -1000,7 +991,7 @@
           <a:p>
             <a:pPr lvl="0"/>
             <a:r>
-              <a:rPr lang="en-US" smtClean="0"/>
+              <a:rPr lang="en-US"/>
               <a:t>Click to edit Master text styles</a:t>
             </a:r>
           </a:p>
@@ -1023,7 +1014,7 @@
           <a:p>
             <a:fld id="{BB7DCC67-5970-4D38-BCD6-A5FE23A66C8D}" type="datetimeFigureOut">
               <a:rPr lang="en-US" smtClean="0"/>
-              <a:t>7/31/2016</a:t>
+              <a:t>5/8/18</a:t>
             </a:fld>
             <a:endParaRPr lang="en-US"/>
           </a:p>
@@ -1117,10 +1108,9 @@
           <a:lstStyle/>
           <a:p>
             <a:r>
-              <a:rPr lang="en-US" smtClean="0"/>
+              <a:rPr lang="en-US"/>
               <a:t>Click to edit Master title style</a:t>
             </a:r>
-            <a:endParaRPr lang="en-US"/>
           </a:p>
         </p:txBody>
       </p:sp>
@@ -1146,38 +1136,37 @@
           <a:p>
             <a:pPr lvl="0"/>
             <a:r>
-              <a:rPr lang="en-US" smtClean="0"/>
+              <a:rPr lang="en-US"/>
               <a:t>Click to edit Master text styles</a:t>
             </a:r>
           </a:p>
           <a:p>
             <a:pPr lvl="1"/>
             <a:r>
-              <a:rPr lang="en-US" smtClean="0"/>
+              <a:rPr lang="en-US"/>
               <a:t>Second level</a:t>
             </a:r>
           </a:p>
           <a:p>
             <a:pPr lvl="2"/>
             <a:r>
-              <a:rPr lang="en-US" smtClean="0"/>
+              <a:rPr lang="en-US"/>
               <a:t>Third level</a:t>
             </a:r>
           </a:p>
           <a:p>
             <a:pPr lvl="3"/>
             <a:r>
-              <a:rPr lang="en-US" smtClean="0"/>
+              <a:rPr lang="en-US"/>
               <a:t>Fourth level</a:t>
             </a:r>
           </a:p>
           <a:p>
             <a:pPr lvl="4"/>
             <a:r>
-              <a:rPr lang="en-US" smtClean="0"/>
+              <a:rPr lang="en-US"/>
               <a:t>Fifth level</a:t>
             </a:r>
-            <a:endParaRPr lang="en-US"/>
           </a:p>
         </p:txBody>
       </p:sp>
@@ -1203,38 +1192,37 @@
           <a:p>
             <a:pPr lvl="0"/>
             <a:r>
-              <a:rPr lang="en-US" smtClean="0"/>
+              <a:rPr lang="en-US"/>
               <a:t>Click to edit Master text styles</a:t>
             </a:r>
           </a:p>
           <a:p>
             <a:pPr lvl="1"/>
             <a:r>
-              <a:rPr lang="en-US" smtClean="0"/>
+              <a:rPr lang="en-US"/>
               <a:t>Second level</a:t>
             </a:r>
           </a:p>
           <a:p>
             <a:pPr lvl="2"/>
             <a:r>
-              <a:rPr lang="en-US" smtClean="0"/>
+              <a:rPr lang="en-US"/>
               <a:t>Third level</a:t>
             </a:r>
           </a:p>
           <a:p>
             <a:pPr lvl="3"/>
             <a:r>
-              <a:rPr lang="en-US" smtClean="0"/>
+              <a:rPr lang="en-US"/>
               <a:t>Fourth level</a:t>
             </a:r>
           </a:p>
           <a:p>
             <a:pPr lvl="4"/>
             <a:r>
-              <a:rPr lang="en-US" smtClean="0"/>
+              <a:rPr lang="en-US"/>
               <a:t>Fifth level</a:t>
             </a:r>
-            <a:endParaRPr lang="en-US"/>
           </a:p>
         </p:txBody>
       </p:sp>
@@ -1255,7 +1243,7 @@
           <a:p>
             <a:fld id="{BB7DCC67-5970-4D38-BCD6-A5FE23A66C8D}" type="datetimeFigureOut">
               <a:rPr lang="en-US" smtClean="0"/>
-              <a:t>7/31/2016</a:t>
+              <a:t>5/8/18</a:t>
             </a:fld>
             <a:endParaRPr lang="en-US"/>
           </a:p>
@@ -1354,10 +1342,9 @@
           <a:lstStyle/>
           <a:p>
             <a:r>
-              <a:rPr lang="en-US" smtClean="0"/>
+              <a:rPr lang="en-US"/>
               <a:t>Click to edit Master title style</a:t>
             </a:r>
-            <a:endParaRPr lang="en-US"/>
           </a:p>
         </p:txBody>
       </p:sp>
@@ -1420,7 +1407,7 @@
           <a:p>
             <a:pPr lvl="0"/>
             <a:r>
-              <a:rPr lang="en-US" smtClean="0"/>
+              <a:rPr lang="en-US"/>
               <a:t>Click to edit Master text styles</a:t>
             </a:r>
           </a:p>
@@ -1448,38 +1435,37 @@
           <a:p>
             <a:pPr lvl="0"/>
             <a:r>
-              <a:rPr lang="en-US" smtClean="0"/>
+              <a:rPr lang="en-US"/>
               <a:t>Click to edit Master text styles</a:t>
             </a:r>
           </a:p>
           <a:p>
             <a:pPr lvl="1"/>
             <a:r>
-              <a:rPr lang="en-US" smtClean="0"/>
+              <a:rPr lang="en-US"/>
               <a:t>Second level</a:t>
             </a:r>
           </a:p>
           <a:p>
             <a:pPr lvl="2"/>
             <a:r>
-              <a:rPr lang="en-US" smtClean="0"/>
+              <a:rPr lang="en-US"/>
               <a:t>Third level</a:t>
             </a:r>
           </a:p>
           <a:p>
             <a:pPr lvl="3"/>
             <a:r>
-              <a:rPr lang="en-US" smtClean="0"/>
+              <a:rPr lang="en-US"/>
               <a:t>Fourth level</a:t>
             </a:r>
           </a:p>
           <a:p>
             <a:pPr lvl="4"/>
             <a:r>
-              <a:rPr lang="en-US" smtClean="0"/>
+              <a:rPr lang="en-US"/>
               <a:t>Fifth level</a:t>
             </a:r>
-            <a:endParaRPr lang="en-US"/>
           </a:p>
         </p:txBody>
       </p:sp>
@@ -1542,7 +1528,7 @@
           <a:p>
             <a:pPr lvl="0"/>
             <a:r>
-              <a:rPr lang="en-US" smtClean="0"/>
+              <a:rPr lang="en-US"/>
               <a:t>Click to edit Master text styles</a:t>
             </a:r>
           </a:p>
@@ -1570,38 +1556,37 @@
           <a:p>
             <a:pPr lvl="0"/>
             <a:r>
-              <a:rPr lang="en-US" smtClean="0"/>
+              <a:rPr lang="en-US"/>
               <a:t>Click to edit Master text styles</a:t>
             </a:r>
           </a:p>
           <a:p>
             <a:pPr lvl="1"/>
             <a:r>
-              <a:rPr lang="en-US" smtClean="0"/>
+              <a:rPr lang="en-US"/>
               <a:t>Second level</a:t>
             </a:r>
           </a:p>
           <a:p>
             <a:pPr lvl="2"/>
             <a:r>
-              <a:rPr lang="en-US" smtClean="0"/>
+              <a:rPr lang="en-US"/>
               <a:t>Third level</a:t>
             </a:r>
           </a:p>
           <a:p>
             <a:pPr lvl="3"/>
             <a:r>
-              <a:rPr lang="en-US" smtClean="0"/>
+              <a:rPr lang="en-US"/>
               <a:t>Fourth level</a:t>
             </a:r>
           </a:p>
           <a:p>
             <a:pPr lvl="4"/>
             <a:r>
-              <a:rPr lang="en-US" smtClean="0"/>
+              <a:rPr lang="en-US"/>
               <a:t>Fifth level</a:t>
             </a:r>
-            <a:endParaRPr lang="en-US"/>
           </a:p>
         </p:txBody>
       </p:sp>
@@ -1622,7 +1607,7 @@
           <a:p>
             <a:fld id="{BB7DCC67-5970-4D38-BCD6-A5FE23A66C8D}" type="datetimeFigureOut">
               <a:rPr lang="en-US" smtClean="0"/>
-              <a:t>7/31/2016</a:t>
+              <a:t>5/8/18</a:t>
             </a:fld>
             <a:endParaRPr lang="en-US"/>
           </a:p>
@@ -1716,10 +1701,9 @@
           <a:lstStyle/>
           <a:p>
             <a:r>
-              <a:rPr lang="en-US" smtClean="0"/>
+              <a:rPr lang="en-US"/>
               <a:t>Click to edit Master title style</a:t>
             </a:r>
-            <a:endParaRPr lang="en-US"/>
           </a:p>
         </p:txBody>
       </p:sp>
@@ -1740,7 +1724,7 @@
           <a:p>
             <a:fld id="{BB7DCC67-5970-4D38-BCD6-A5FE23A66C8D}" type="datetimeFigureOut">
               <a:rPr lang="en-US" smtClean="0"/>
-              <a:t>7/31/2016</a:t>
+              <a:t>5/8/18</a:t>
             </a:fld>
             <a:endParaRPr lang="en-US"/>
           </a:p>
@@ -1835,7 +1819,7 @@
           <a:p>
             <a:fld id="{BB7DCC67-5970-4D38-BCD6-A5FE23A66C8D}" type="datetimeFigureOut">
               <a:rPr lang="en-US" smtClean="0"/>
-              <a:t>7/31/2016</a:t>
+              <a:t>5/8/18</a:t>
             </a:fld>
             <a:endParaRPr lang="en-US"/>
           </a:p>
@@ -1938,10 +1922,9 @@
           </a:lstStyle>
           <a:p>
             <a:r>
-              <a:rPr lang="en-US" smtClean="0"/>
+              <a:rPr lang="en-US"/>
               <a:t>Click to edit Master title style</a:t>
             </a:r>
-            <a:endParaRPr lang="en-US"/>
           </a:p>
         </p:txBody>
       </p:sp>
@@ -1995,38 +1978,37 @@
           <a:p>
             <a:pPr lvl="0"/>
             <a:r>
-              <a:rPr lang="en-US" smtClean="0"/>
+              <a:rPr lang="en-US"/>
               <a:t>Click to edit Master text styles</a:t>
             </a:r>
           </a:p>
           <a:p>
             <a:pPr lvl="1"/>
             <a:r>
-              <a:rPr lang="en-US" smtClean="0"/>
+              <a:rPr lang="en-US"/>
               <a:t>Second level</a:t>
             </a:r>
           </a:p>
           <a:p>
             <a:pPr lvl="2"/>
             <a:r>
-              <a:rPr lang="en-US" smtClean="0"/>
+              <a:rPr lang="en-US"/>
               <a:t>Third level</a:t>
             </a:r>
           </a:p>
           <a:p>
             <a:pPr lvl="3"/>
             <a:r>
-              <a:rPr lang="en-US" smtClean="0"/>
+              <a:rPr lang="en-US"/>
               <a:t>Fourth level</a:t>
             </a:r>
           </a:p>
           <a:p>
             <a:pPr lvl="4"/>
             <a:r>
-              <a:rPr lang="en-US" smtClean="0"/>
+              <a:rPr lang="en-US"/>
               <a:t>Fifth level</a:t>
             </a:r>
-            <a:endParaRPr lang="en-US"/>
           </a:p>
         </p:txBody>
       </p:sp>
@@ -2089,7 +2071,7 @@
           <a:p>
             <a:pPr lvl="0"/>
             <a:r>
-              <a:rPr lang="en-US" smtClean="0"/>
+              <a:rPr lang="en-US"/>
               <a:t>Click to edit Master text styles</a:t>
             </a:r>
           </a:p>
@@ -2112,7 +2094,7 @@
           <a:p>
             <a:fld id="{BB7DCC67-5970-4D38-BCD6-A5FE23A66C8D}" type="datetimeFigureOut">
               <a:rPr lang="en-US" smtClean="0"/>
-              <a:t>7/31/2016</a:t>
+              <a:t>5/8/18</a:t>
             </a:fld>
             <a:endParaRPr lang="en-US"/>
           </a:p>
@@ -2215,10 +2197,9 @@
           </a:lstStyle>
           <a:p>
             <a:r>
-              <a:rPr lang="en-US" smtClean="0"/>
+              <a:rPr lang="en-US"/>
               <a:t>Click to edit Master title style</a:t>
             </a:r>
-            <a:endParaRPr lang="en-US"/>
           </a:p>
         </p:txBody>
       </p:sp>
@@ -2342,7 +2323,7 @@
           <a:p>
             <a:pPr lvl="0"/>
             <a:r>
-              <a:rPr lang="en-US" smtClean="0"/>
+              <a:rPr lang="en-US"/>
               <a:t>Click to edit Master text styles</a:t>
             </a:r>
           </a:p>
@@ -2365,7 +2346,7 @@
           <a:p>
             <a:fld id="{BB7DCC67-5970-4D38-BCD6-A5FE23A66C8D}" type="datetimeFigureOut">
               <a:rPr lang="en-US" smtClean="0"/>
-              <a:t>7/31/2016</a:t>
+              <a:t>5/8/18</a:t>
             </a:fld>
             <a:endParaRPr lang="en-US"/>
           </a:p>
@@ -2474,10 +2455,9 @@
           <a:lstStyle/>
           <a:p>
             <a:r>
-              <a:rPr lang="en-US" smtClean="0"/>
+              <a:rPr lang="en-US"/>
               <a:t>Click to edit Master title style</a:t>
             </a:r>
-            <a:endParaRPr lang="en-US"/>
           </a:p>
         </p:txBody>
       </p:sp>
@@ -2508,38 +2488,37 @@
           <a:p>
             <a:pPr lvl="0"/>
             <a:r>
-              <a:rPr lang="en-US" smtClean="0"/>
+              <a:rPr lang="en-US"/>
               <a:t>Click to edit Master text styles</a:t>
             </a:r>
           </a:p>
           <a:p>
             <a:pPr lvl="1"/>
             <a:r>
-              <a:rPr lang="en-US" smtClean="0"/>
+              <a:rPr lang="en-US"/>
               <a:t>Second level</a:t>
             </a:r>
           </a:p>
           <a:p>
             <a:pPr lvl="2"/>
             <a:r>
-              <a:rPr lang="en-US" smtClean="0"/>
+              <a:rPr lang="en-US"/>
               <a:t>Third level</a:t>
             </a:r>
           </a:p>
           <a:p>
             <a:pPr lvl="3"/>
             <a:r>
-              <a:rPr lang="en-US" smtClean="0"/>
+              <a:rPr lang="en-US"/>
               <a:t>Fourth level</a:t>
             </a:r>
           </a:p>
           <a:p>
             <a:pPr lvl="4"/>
             <a:r>
-              <a:rPr lang="en-US" smtClean="0"/>
+              <a:rPr lang="en-US"/>
               <a:t>Fifth level</a:t>
             </a:r>
-            <a:endParaRPr lang="en-US"/>
           </a:p>
         </p:txBody>
       </p:sp>
@@ -2578,7 +2557,7 @@
           <a:p>
             <a:fld id="{BB7DCC67-5970-4D38-BCD6-A5FE23A66C8D}" type="datetimeFigureOut">
               <a:rPr lang="en-US" smtClean="0"/>
-              <a:t>7/31/2016</a:t>
+              <a:t>5/8/18</a:t>
             </a:fld>
             <a:endParaRPr lang="en-US"/>
           </a:p>
@@ -3026,18 +3005,13 @@
           <a:p>
             <a:pPr algn="ctr"/>
             <a:r>
-              <a:rPr lang="en-US" sz="2800" dirty="0" smtClean="0">
+              <a:rPr lang="en-US" sz="2800" dirty="0">
                 <a:solidFill>
                   <a:schemeClr val="tx1"/>
                 </a:solidFill>
               </a:rPr>
               <a:t>A</a:t>
             </a:r>
-            <a:endParaRPr lang="en-US" sz="2800" dirty="0">
-              <a:solidFill>
-                <a:schemeClr val="tx1"/>
-              </a:solidFill>
-            </a:endParaRPr>
           </a:p>
         </p:txBody>
       </p:sp>
@@ -3084,18 +3058,13 @@
           <a:p>
             <a:pPr algn="ctr"/>
             <a:r>
-              <a:rPr lang="en-US" sz="2800" dirty="0" smtClean="0">
+              <a:rPr lang="en-US" sz="2800" dirty="0">
                 <a:solidFill>
                   <a:schemeClr val="tx1"/>
                 </a:solidFill>
               </a:rPr>
               <a:t>C</a:t>
             </a:r>
-            <a:endParaRPr lang="en-US" sz="2800" dirty="0">
-              <a:solidFill>
-                <a:schemeClr val="tx1"/>
-              </a:solidFill>
-            </a:endParaRPr>
           </a:p>
         </p:txBody>
       </p:sp>
@@ -3142,18 +3111,13 @@
           <a:p>
             <a:pPr algn="ctr"/>
             <a:r>
-              <a:rPr lang="en-US" sz="2800" dirty="0" smtClean="0">
+              <a:rPr lang="en-US" sz="2800" dirty="0">
                 <a:solidFill>
                   <a:schemeClr val="tx1"/>
                 </a:solidFill>
               </a:rPr>
               <a:t>B</a:t>
             </a:r>
-            <a:endParaRPr lang="en-US" sz="2800" dirty="0">
-              <a:solidFill>
-                <a:schemeClr val="tx1"/>
-              </a:solidFill>
-            </a:endParaRPr>
           </a:p>
         </p:txBody>
       </p:sp>
@@ -3260,10 +3224,9 @@
           <a:lstStyle/>
           <a:p>
             <a:r>
-              <a:rPr lang="en-US" sz="2000" dirty="0" smtClean="0"/>
+              <a:rPr lang="en-US" sz="2000" dirty="0"/>
               <a:t>12</a:t>
             </a:r>
-            <a:endParaRPr lang="en-US" sz="2000" dirty="0"/>
           </a:p>
         </p:txBody>
       </p:sp>
@@ -3290,10 +3253,9 @@
           <a:lstStyle/>
           <a:p>
             <a:r>
-              <a:rPr lang="en-US" sz="2000" dirty="0" smtClean="0"/>
+              <a:rPr lang="en-US" sz="2000" dirty="0"/>
               <a:t>30</a:t>
             </a:r>
-            <a:endParaRPr lang="en-US" sz="2000" dirty="0"/>
           </a:p>
         </p:txBody>
       </p:sp>
@@ -3360,10 +3322,9 @@
           <a:lstStyle/>
           <a:p>
             <a:r>
-              <a:rPr lang="en-US" sz="2000" dirty="0" smtClean="0"/>
+              <a:rPr lang="en-US" sz="2000" dirty="0"/>
               <a:t>5</a:t>
             </a:r>
-            <a:endParaRPr lang="en-US" sz="2000" dirty="0"/>
           </a:p>
         </p:txBody>
       </p:sp>
@@ -3440,18 +3401,13 @@
           <a:p>
             <a:pPr algn="ctr"/>
             <a:r>
-              <a:rPr lang="en-US" sz="2800" dirty="0" smtClean="0">
+              <a:rPr lang="en-US" sz="2800" dirty="0">
                 <a:solidFill>
                   <a:schemeClr val="tx1"/>
                 </a:solidFill>
               </a:rPr>
               <a:t>2</a:t>
             </a:r>
-            <a:endParaRPr lang="en-US" sz="2800" dirty="0">
-              <a:solidFill>
-                <a:schemeClr val="tx1"/>
-              </a:solidFill>
-            </a:endParaRPr>
           </a:p>
         </p:txBody>
       </p:sp>
@@ -3498,18 +3454,13 @@
           <a:p>
             <a:pPr algn="ctr"/>
             <a:r>
-              <a:rPr lang="en-US" sz="2800" dirty="0" smtClean="0">
+              <a:rPr lang="en-US" sz="2800" dirty="0">
                 <a:solidFill>
                   <a:schemeClr val="tx1"/>
                 </a:solidFill>
               </a:rPr>
               <a:t>3</a:t>
             </a:r>
-            <a:endParaRPr lang="en-US" sz="2800" dirty="0">
-              <a:solidFill>
-                <a:schemeClr val="tx1"/>
-              </a:solidFill>
-            </a:endParaRPr>
           </a:p>
         </p:txBody>
       </p:sp>
@@ -3556,18 +3507,13 @@
           <a:p>
             <a:pPr algn="ctr"/>
             <a:r>
-              <a:rPr lang="en-US" sz="2800" dirty="0" smtClean="0">
+              <a:rPr lang="en-US" sz="2800" dirty="0">
                 <a:solidFill>
                   <a:schemeClr val="tx1"/>
                 </a:solidFill>
               </a:rPr>
               <a:t>1</a:t>
             </a:r>
-            <a:endParaRPr lang="en-US" sz="2800" dirty="0">
-              <a:solidFill>
-                <a:schemeClr val="tx1"/>
-              </a:solidFill>
-            </a:endParaRPr>
           </a:p>
         </p:txBody>
       </p:sp>
@@ -3634,10 +3580,9 @@
           <a:lstStyle/>
           <a:p>
             <a:r>
-              <a:rPr lang="en-US" sz="2000" dirty="0" smtClean="0"/>
+              <a:rPr lang="en-US" sz="2000" dirty="0"/>
               <a:t>1</a:t>
             </a:r>
-            <a:endParaRPr lang="en-US" sz="2000" dirty="0"/>
           </a:p>
         </p:txBody>
       </p:sp>
@@ -3664,10 +3609,9 @@
           <a:lstStyle/>
           <a:p>
             <a:r>
-              <a:rPr lang="en-US" sz="2000" dirty="0" smtClean="0"/>
+              <a:rPr lang="en-US" sz="2000" dirty="0"/>
               <a:t>1</a:t>
             </a:r>
-            <a:endParaRPr lang="en-US" sz="2000" dirty="0"/>
           </a:p>
         </p:txBody>
       </p:sp>
@@ -3694,10 +3638,9 @@
           <a:lstStyle/>
           <a:p>
             <a:r>
-              <a:rPr lang="en-US" sz="2000" dirty="0" smtClean="0"/>
+              <a:rPr lang="en-US" sz="2000" dirty="0"/>
               <a:t>4</a:t>
             </a:r>
-            <a:endParaRPr lang="en-US" sz="2000" dirty="0"/>
           </a:p>
         </p:txBody>
       </p:sp>
@@ -3744,18 +3687,13 @@
           <a:p>
             <a:pPr algn="ctr"/>
             <a:r>
-              <a:rPr lang="en-US" sz="2800" dirty="0" smtClean="0">
+              <a:rPr lang="en-US" sz="2800" dirty="0">
                 <a:solidFill>
                   <a:schemeClr val="tx1"/>
                 </a:solidFill>
               </a:rPr>
               <a:t>4</a:t>
             </a:r>
-            <a:endParaRPr lang="en-US" sz="2800" dirty="0">
-              <a:solidFill>
-                <a:schemeClr val="tx1"/>
-              </a:solidFill>
-            </a:endParaRPr>
           </a:p>
         </p:txBody>
       </p:sp>
@@ -3902,10 +3840,9 @@
           <a:lstStyle/>
           <a:p>
             <a:r>
-              <a:rPr lang="en-US" sz="2000" dirty="0" smtClean="0"/>
+              <a:rPr lang="en-US" sz="2000" dirty="0"/>
               <a:t>-3</a:t>
             </a:r>
-            <a:endParaRPr lang="en-US" sz="2000" dirty="0"/>
           </a:p>
         </p:txBody>
       </p:sp>
@@ -3982,18 +3919,13 @@
           <a:p>
             <a:pPr algn="ctr"/>
             <a:r>
-              <a:rPr lang="en-US" sz="2800" dirty="0" smtClean="0">
+              <a:rPr lang="en-US" sz="2800" dirty="0">
                 <a:solidFill>
                   <a:schemeClr val="tx1"/>
                 </a:solidFill>
               </a:rPr>
               <a:t>1</a:t>
             </a:r>
-            <a:endParaRPr lang="en-US" sz="2800" dirty="0">
-              <a:solidFill>
-                <a:schemeClr val="tx1"/>
-              </a:solidFill>
-            </a:endParaRPr>
           </a:p>
         </p:txBody>
       </p:sp>
@@ -4040,18 +3972,13 @@
           <a:p>
             <a:pPr algn="ctr"/>
             <a:r>
-              <a:rPr lang="en-US" sz="2800" dirty="0" smtClean="0">
+              <a:rPr lang="en-US" sz="2800" dirty="0">
                 <a:solidFill>
                   <a:schemeClr val="tx1"/>
                 </a:solidFill>
               </a:rPr>
               <a:t>2</a:t>
             </a:r>
-            <a:endParaRPr lang="en-US" sz="2800" dirty="0">
-              <a:solidFill>
-                <a:schemeClr val="tx1"/>
-              </a:solidFill>
-            </a:endParaRPr>
           </a:p>
         </p:txBody>
       </p:sp>
@@ -4098,18 +4025,13 @@
           <a:p>
             <a:pPr algn="ctr"/>
             <a:r>
-              <a:rPr lang="en-US" sz="2800" dirty="0" smtClean="0">
+              <a:rPr lang="en-US" sz="2800" dirty="0">
                 <a:solidFill>
                   <a:schemeClr val="tx1"/>
                 </a:solidFill>
               </a:rPr>
               <a:t>4</a:t>
             </a:r>
-            <a:endParaRPr lang="en-US" sz="2800" dirty="0">
-              <a:solidFill>
-                <a:schemeClr val="tx1"/>
-              </a:solidFill>
-            </a:endParaRPr>
           </a:p>
         </p:txBody>
       </p:sp>
@@ -4156,18 +4078,13 @@
           <a:p>
             <a:pPr algn="ctr"/>
             <a:r>
-              <a:rPr lang="en-US" sz="2800" dirty="0" smtClean="0">
+              <a:rPr lang="en-US" sz="2800" dirty="0">
                 <a:solidFill>
                   <a:schemeClr val="tx1"/>
                 </a:solidFill>
               </a:rPr>
               <a:t>5</a:t>
             </a:r>
-            <a:endParaRPr lang="en-US" sz="2800" dirty="0">
-              <a:solidFill>
-                <a:schemeClr val="tx1"/>
-              </a:solidFill>
-            </a:endParaRPr>
           </a:p>
         </p:txBody>
       </p:sp>
@@ -4297,7 +4214,7 @@
         <p:spPr>
           <a:xfrm>
             <a:off x="1674091" y="619630"/>
-            <a:ext cx="579549" cy="584775"/>
+            <a:ext cx="736461" cy="584775"/>
           </a:xfrm>
           <a:prstGeom prst="rect">
             <a:avLst/>
@@ -4311,18 +4228,13 @@
           <a:lstStyle/>
           <a:p>
             <a:r>
-              <a:rPr lang="en-US" sz="3200" b="1" dirty="0" smtClean="0">
+              <a:rPr lang="en-US" sz="3200" b="1" dirty="0">
                 <a:solidFill>
                   <a:srgbClr val="00B050"/>
                 </a:solidFill>
               </a:rPr>
               <a:t>A.</a:t>
             </a:r>
-            <a:endParaRPr lang="en-US" sz="3200" b="1" dirty="0">
-              <a:solidFill>
-                <a:srgbClr val="00B050"/>
-              </a:solidFill>
-            </a:endParaRPr>
           </a:p>
         </p:txBody>
       </p:sp>
@@ -4369,18 +4281,13 @@
           <a:p>
             <a:pPr algn="ctr"/>
             <a:r>
-              <a:rPr lang="en-US" sz="2800" dirty="0" smtClean="0">
+              <a:rPr lang="en-US" sz="2800" dirty="0">
                 <a:solidFill>
                   <a:schemeClr val="tx1"/>
                 </a:solidFill>
               </a:rPr>
               <a:t>1</a:t>
             </a:r>
-            <a:endParaRPr lang="en-US" sz="2800" dirty="0">
-              <a:solidFill>
-                <a:schemeClr val="tx1"/>
-              </a:solidFill>
-            </a:endParaRPr>
           </a:p>
         </p:txBody>
       </p:sp>
@@ -4427,18 +4334,13 @@
           <a:p>
             <a:pPr algn="ctr"/>
             <a:r>
-              <a:rPr lang="en-US" sz="2800" dirty="0" smtClean="0">
+              <a:rPr lang="en-US" sz="2800" dirty="0">
                 <a:solidFill>
                   <a:schemeClr val="tx1"/>
                 </a:solidFill>
               </a:rPr>
               <a:t>3</a:t>
             </a:r>
-            <a:endParaRPr lang="en-US" sz="2800" dirty="0">
-              <a:solidFill>
-                <a:schemeClr val="tx1"/>
-              </a:solidFill>
-            </a:endParaRPr>
           </a:p>
         </p:txBody>
       </p:sp>
@@ -4485,18 +4387,13 @@
           <a:p>
             <a:pPr algn="ctr"/>
             <a:r>
-              <a:rPr lang="en-US" sz="2800" dirty="0" smtClean="0">
+              <a:rPr lang="en-US" sz="2800" dirty="0">
                 <a:solidFill>
                   <a:schemeClr val="tx1"/>
                 </a:solidFill>
               </a:rPr>
               <a:t>2</a:t>
             </a:r>
-            <a:endParaRPr lang="en-US" sz="2800" dirty="0">
-              <a:solidFill>
-                <a:schemeClr val="tx1"/>
-              </a:solidFill>
-            </a:endParaRPr>
           </a:p>
         </p:txBody>
       </p:sp>
@@ -4589,7 +4486,7 @@
         <p:spPr>
           <a:xfrm>
             <a:off x="5213274" y="3694129"/>
-            <a:ext cx="579549" cy="584775"/>
+            <a:ext cx="858416" cy="584775"/>
           </a:xfrm>
           <a:prstGeom prst="rect">
             <a:avLst/>
@@ -4608,21 +4505,8 @@
                   <a:srgbClr val="00B050"/>
                 </a:solidFill>
               </a:rPr>
-              <a:t>D</a:t>
-            </a:r>
-            <a:r>
-              <a:rPr lang="en-US" sz="3200" b="1" dirty="0" smtClean="0">
-                <a:solidFill>
-                  <a:srgbClr val="00B050"/>
-                </a:solidFill>
-              </a:rPr>
-              <a:t>.</a:t>
-            </a:r>
-            <a:endParaRPr lang="en-US" sz="3200" b="1" dirty="0">
-              <a:solidFill>
-                <a:srgbClr val="00B050"/>
-              </a:solidFill>
-            </a:endParaRPr>
+              <a:t>D.</a:t>
+            </a:r>
           </a:p>
         </p:txBody>
       </p:sp>
@@ -4669,18 +4553,13 @@
           <a:p>
             <a:pPr algn="ctr"/>
             <a:r>
-              <a:rPr lang="en-US" sz="2800" dirty="0" smtClean="0">
+              <a:rPr lang="en-US" sz="2800" dirty="0">
                 <a:solidFill>
                   <a:schemeClr val="tx1"/>
                 </a:solidFill>
               </a:rPr>
               <a:t>1</a:t>
             </a:r>
-            <a:endParaRPr lang="en-US" sz="2800" dirty="0">
-              <a:solidFill>
-                <a:schemeClr val="tx1"/>
-              </a:solidFill>
-            </a:endParaRPr>
           </a:p>
         </p:txBody>
       </p:sp>
@@ -4727,18 +4606,13 @@
           <a:p>
             <a:pPr algn="ctr"/>
             <a:r>
-              <a:rPr lang="en-US" sz="2800" dirty="0" smtClean="0">
+              <a:rPr lang="en-US" sz="2800" dirty="0">
                 <a:solidFill>
                   <a:schemeClr val="tx1"/>
                 </a:solidFill>
               </a:rPr>
               <a:t>3</a:t>
             </a:r>
-            <a:endParaRPr lang="en-US" sz="2800" dirty="0">
-              <a:solidFill>
-                <a:schemeClr val="tx1"/>
-              </a:solidFill>
-            </a:endParaRPr>
           </a:p>
         </p:txBody>
       </p:sp>
@@ -4785,18 +4659,13 @@
           <a:p>
             <a:pPr algn="ctr"/>
             <a:r>
-              <a:rPr lang="en-US" sz="2800" dirty="0" smtClean="0">
+              <a:rPr lang="en-US" sz="2800" dirty="0">
                 <a:solidFill>
                   <a:schemeClr val="tx1"/>
                 </a:solidFill>
               </a:rPr>
               <a:t>2</a:t>
             </a:r>
-            <a:endParaRPr lang="en-US" sz="2800" dirty="0">
-              <a:solidFill>
-                <a:schemeClr val="tx1"/>
-              </a:solidFill>
-            </a:endParaRPr>
           </a:p>
         </p:txBody>
       </p:sp>
@@ -4887,7 +4756,7 @@
         <p:spPr>
           <a:xfrm>
             <a:off x="1674782" y="3589759"/>
-            <a:ext cx="579549" cy="584775"/>
+            <a:ext cx="719227" cy="584775"/>
           </a:xfrm>
           <a:prstGeom prst="rect">
             <a:avLst/>
@@ -4901,18 +4770,13 @@
           <a:lstStyle/>
           <a:p>
             <a:r>
-              <a:rPr lang="en-US" sz="3200" b="1" dirty="0" smtClean="0">
+              <a:rPr lang="en-US" sz="3200" b="1" dirty="0">
                 <a:solidFill>
                   <a:srgbClr val="00B050"/>
                 </a:solidFill>
               </a:rPr>
               <a:t>C.</a:t>
             </a:r>
-            <a:endParaRPr lang="en-US" sz="3200" b="1" dirty="0">
-              <a:solidFill>
-                <a:srgbClr val="00B050"/>
-              </a:solidFill>
-            </a:endParaRPr>
           </a:p>
         </p:txBody>
       </p:sp>
@@ -5201,10 +5065,9 @@
           <a:lstStyle/>
           <a:p>
             <a:r>
-              <a:rPr lang="en-US" dirty="0" smtClean="0"/>
+              <a:rPr lang="en-US" dirty="0"/>
               <a:t>1</a:t>
             </a:r>
-            <a:endParaRPr lang="en-US" dirty="0"/>
           </a:p>
         </p:txBody>
       </p:sp>
@@ -5231,10 +5094,9 @@
           <a:lstStyle/>
           <a:p>
             <a:r>
-              <a:rPr lang="en-US" dirty="0" smtClean="0"/>
+              <a:rPr lang="en-US" dirty="0"/>
               <a:t>1</a:t>
             </a:r>
-            <a:endParaRPr lang="en-US" dirty="0"/>
           </a:p>
         </p:txBody>
       </p:sp>
@@ -5261,10 +5123,9 @@
           <a:lstStyle/>
           <a:p>
             <a:r>
-              <a:rPr lang="en-US" dirty="0" smtClean="0"/>
+              <a:rPr lang="en-US" dirty="0"/>
               <a:t>1</a:t>
             </a:r>
-            <a:endParaRPr lang="en-US" dirty="0"/>
           </a:p>
         </p:txBody>
       </p:sp>
@@ -5291,10 +5152,9 @@
           <a:lstStyle/>
           <a:p>
             <a:r>
-              <a:rPr lang="en-US" dirty="0" smtClean="0"/>
+              <a:rPr lang="en-US" dirty="0"/>
               <a:t>0.5</a:t>
             </a:r>
-            <a:endParaRPr lang="en-US" dirty="0"/>
           </a:p>
         </p:txBody>
       </p:sp>
@@ -5306,7 +5166,7 @@
         </p:nvSpPr>
         <p:spPr>
           <a:xfrm>
-            <a:off x="7376577" y="4240237"/>
+            <a:off x="7376577" y="4309937"/>
             <a:ext cx="734924" cy="369332"/>
           </a:xfrm>
           <a:prstGeom prst="rect">
@@ -5321,10 +5181,9 @@
           <a:lstStyle/>
           <a:p>
             <a:r>
-              <a:rPr lang="en-US" dirty="0" smtClean="0"/>
+              <a:rPr lang="en-US" dirty="0"/>
               <a:t>0.33</a:t>
             </a:r>
-            <a:endParaRPr lang="en-US" dirty="0"/>
           </a:p>
         </p:txBody>
       </p:sp>
@@ -5337,7 +5196,7 @@
         <p:spPr>
           <a:xfrm>
             <a:off x="5201801" y="695803"/>
-            <a:ext cx="543504" cy="584776"/>
+            <a:ext cx="902810" cy="584776"/>
           </a:xfrm>
           <a:prstGeom prst="rect">
             <a:avLst/>
@@ -5356,21 +5215,8 @@
                   <a:srgbClr val="00B050"/>
                 </a:solidFill>
               </a:rPr>
-              <a:t>B</a:t>
-            </a:r>
-            <a:r>
-              <a:rPr lang="en-US" sz="3200" b="1" dirty="0" smtClean="0">
-                <a:solidFill>
-                  <a:srgbClr val="00B050"/>
-                </a:solidFill>
-              </a:rPr>
-              <a:t>.</a:t>
-            </a:r>
-            <a:endParaRPr lang="en-US" sz="3200" b="1" dirty="0">
-              <a:solidFill>
-                <a:srgbClr val="00B050"/>
-              </a:solidFill>
-            </a:endParaRPr>
+              <a:t>B.</a:t>
+            </a:r>
           </a:p>
         </p:txBody>
       </p:sp>
@@ -5397,10 +5243,9 @@
           <a:lstStyle/>
           <a:p>
             <a:r>
-              <a:rPr lang="en-US" dirty="0" smtClean="0"/>
+              <a:rPr lang="en-US" dirty="0"/>
               <a:t>-1</a:t>
             </a:r>
-            <a:endParaRPr lang="en-US" dirty="0"/>
           </a:p>
         </p:txBody>
       </p:sp>
@@ -5470,8 +5315,8 @@
         </p:nvSpPr>
         <p:spPr>
           <a:xfrm>
-            <a:off x="3344963" y="1374981"/>
-            <a:ext cx="565124" cy="369332"/>
+            <a:off x="3344962" y="1374981"/>
+            <a:ext cx="680763" cy="369332"/>
           </a:xfrm>
           <a:prstGeom prst="rect">
             <a:avLst/>
@@ -5485,10 +5330,9 @@
           <a:lstStyle/>
           <a:p>
             <a:r>
-              <a:rPr lang="en-US" dirty="0" smtClean="0"/>
+              <a:rPr lang="en-US" dirty="0"/>
               <a:t>100</a:t>
             </a:r>
-            <a:endParaRPr lang="en-US" dirty="0"/>
           </a:p>
         </p:txBody>
       </p:sp>
@@ -5500,8 +5344,8 @@
         </p:nvSpPr>
         <p:spPr>
           <a:xfrm>
-            <a:off x="2175077" y="1457801"/>
-            <a:ext cx="565124" cy="369332"/>
+            <a:off x="2175076" y="1457801"/>
+            <a:ext cx="687145" cy="369332"/>
           </a:xfrm>
           <a:prstGeom prst="rect">
             <a:avLst/>
@@ -5515,10 +5359,9 @@
           <a:lstStyle/>
           <a:p>
             <a:r>
-              <a:rPr lang="en-US" dirty="0" smtClean="0"/>
+              <a:rPr lang="en-US" dirty="0"/>
               <a:t>-10</a:t>
             </a:r>
-            <a:endParaRPr lang="en-US" dirty="0"/>
           </a:p>
         </p:txBody>
       </p:sp>
@@ -5594,7 +5437,7 @@
           <a:p>
             <a:pPr algn="ctr"/>
             <a:r>
-              <a:rPr lang="en-US" sz="2800" smtClean="0">
+              <a:rPr lang="en-US" sz="2800">
                 <a:solidFill>
                   <a:schemeClr val="tx1"/>
                 </a:solidFill>
@@ -5845,10 +5688,9 @@
           <a:lstStyle/>
           <a:p>
             <a:r>
-              <a:rPr lang="en-US" dirty="0" smtClean="0"/>
+              <a:rPr lang="en-US" dirty="0"/>
               <a:t>-1</a:t>
             </a:r>
-            <a:endParaRPr lang="en-US" dirty="0"/>
           </a:p>
         </p:txBody>
       </p:sp>
@@ -5875,10 +5717,9 @@
           <a:lstStyle/>
           <a:p>
             <a:r>
-              <a:rPr lang="en-US" dirty="0" smtClean="0"/>
+              <a:rPr lang="en-US" dirty="0"/>
               <a:t>-2</a:t>
             </a:r>
-            <a:endParaRPr lang="en-US" dirty="0"/>
           </a:p>
         </p:txBody>
       </p:sp>
@@ -5905,10 +5746,9 @@
           <a:lstStyle/>
           <a:p>
             <a:r>
-              <a:rPr lang="en-US" dirty="0" smtClean="0"/>
+              <a:rPr lang="en-US" dirty="0"/>
               <a:t>-3</a:t>
             </a:r>
-            <a:endParaRPr lang="en-US" dirty="0"/>
           </a:p>
         </p:txBody>
       </p:sp>
@@ -5935,10 +5775,9 @@
           <a:lstStyle/>
           <a:p>
             <a:r>
-              <a:rPr lang="en-US" dirty="0" smtClean="0"/>
+              <a:rPr lang="en-US" dirty="0"/>
               <a:t>-4</a:t>
             </a:r>
-            <a:endParaRPr lang="en-US" dirty="0"/>
           </a:p>
         </p:txBody>
       </p:sp>
@@ -6015,18 +5854,13 @@
           <a:p>
             <a:pPr algn="ctr"/>
             <a:r>
-              <a:rPr lang="en-US" sz="2800" dirty="0" smtClean="0">
+              <a:rPr lang="en-US" sz="2800" dirty="0">
                 <a:solidFill>
                   <a:schemeClr val="tx1"/>
                 </a:solidFill>
               </a:rPr>
               <a:t>Q</a:t>
             </a:r>
-            <a:endParaRPr lang="en-US" sz="2800" dirty="0">
-              <a:solidFill>
-                <a:schemeClr val="tx1"/>
-              </a:solidFill>
-            </a:endParaRPr>
           </a:p>
         </p:txBody>
       </p:sp>
@@ -6073,18 +5907,13 @@
           <a:p>
             <a:pPr algn="ctr"/>
             <a:r>
-              <a:rPr lang="en-US" sz="2800" dirty="0" smtClean="0">
+              <a:rPr lang="en-US" sz="2800" dirty="0">
                 <a:solidFill>
                   <a:schemeClr val="tx1"/>
                 </a:solidFill>
               </a:rPr>
               <a:t>S</a:t>
             </a:r>
-            <a:endParaRPr lang="en-US" sz="2800" dirty="0">
-              <a:solidFill>
-                <a:schemeClr val="tx1"/>
-              </a:solidFill>
-            </a:endParaRPr>
           </a:p>
         </p:txBody>
       </p:sp>
@@ -6131,18 +5960,13 @@
           <a:p>
             <a:pPr algn="ctr"/>
             <a:r>
-              <a:rPr lang="en-US" sz="2800" dirty="0" smtClean="0">
+              <a:rPr lang="en-US" sz="2800" dirty="0">
                 <a:solidFill>
                   <a:schemeClr val="tx1"/>
                 </a:solidFill>
               </a:rPr>
               <a:t>P</a:t>
             </a:r>
-            <a:endParaRPr lang="en-US" sz="2800" dirty="0">
-              <a:solidFill>
-                <a:schemeClr val="tx1"/>
-              </a:solidFill>
-            </a:endParaRPr>
           </a:p>
         </p:txBody>
       </p:sp>
@@ -6209,10 +6033,9 @@
           <a:lstStyle/>
           <a:p>
             <a:r>
-              <a:rPr lang="en-US" sz="2000" dirty="0" smtClean="0"/>
+              <a:rPr lang="en-US" sz="2000" dirty="0"/>
               <a:t>1</a:t>
             </a:r>
-            <a:endParaRPr lang="en-US" sz="2000" dirty="0"/>
           </a:p>
         </p:txBody>
       </p:sp>
@@ -6239,10 +6062,9 @@
           <a:lstStyle/>
           <a:p>
             <a:r>
-              <a:rPr lang="en-US" sz="2000" dirty="0" smtClean="0"/>
+              <a:rPr lang="en-US" sz="2000" dirty="0"/>
               <a:t>4</a:t>
             </a:r>
-            <a:endParaRPr lang="en-US" sz="2000" dirty="0"/>
           </a:p>
         </p:txBody>
       </p:sp>
@@ -6269,10 +6091,9 @@
           <a:lstStyle/>
           <a:p>
             <a:r>
-              <a:rPr lang="en-US" sz="2000" dirty="0" smtClean="0"/>
+              <a:rPr lang="en-US" sz="2000" dirty="0"/>
               <a:t>7</a:t>
             </a:r>
-            <a:endParaRPr lang="en-US" sz="2000" dirty="0"/>
           </a:p>
         </p:txBody>
       </p:sp>
@@ -6319,18 +6140,13 @@
           <a:p>
             <a:pPr algn="ctr"/>
             <a:r>
-              <a:rPr lang="en-US" sz="2800" dirty="0" smtClean="0">
+              <a:rPr lang="en-US" sz="2800" dirty="0">
                 <a:solidFill>
                   <a:schemeClr val="tx1"/>
                 </a:solidFill>
               </a:rPr>
               <a:t>T</a:t>
             </a:r>
-            <a:endParaRPr lang="en-US" sz="2800" dirty="0">
-              <a:solidFill>
-                <a:schemeClr val="tx1"/>
-              </a:solidFill>
-            </a:endParaRPr>
           </a:p>
         </p:txBody>
       </p:sp>
@@ -6477,10 +6293,9 @@
           <a:lstStyle/>
           <a:p>
             <a:r>
-              <a:rPr lang="en-US" sz="2000" dirty="0" smtClean="0"/>
+              <a:rPr lang="en-US" sz="2000" dirty="0"/>
               <a:t>3</a:t>
             </a:r>
-            <a:endParaRPr lang="en-US" sz="2000" dirty="0"/>
           </a:p>
         </p:txBody>
       </p:sp>
@@ -6547,10 +6362,9 @@
           <a:lstStyle/>
           <a:p>
             <a:r>
-              <a:rPr lang="en-US" sz="2000" dirty="0" smtClean="0"/>
+              <a:rPr lang="en-US" sz="2000" dirty="0"/>
               <a:t>6</a:t>
             </a:r>
-            <a:endParaRPr lang="en-US" sz="2000" dirty="0"/>
           </a:p>
         </p:txBody>
       </p:sp>
@@ -6597,18 +6411,13 @@
           <a:p>
             <a:pPr algn="ctr"/>
             <a:r>
-              <a:rPr lang="en-US" sz="2800" dirty="0" smtClean="0">
+              <a:rPr lang="en-US" sz="2800" dirty="0">
                 <a:solidFill>
                   <a:schemeClr val="tx1"/>
                 </a:solidFill>
               </a:rPr>
               <a:t>R</a:t>
             </a:r>
-            <a:endParaRPr lang="en-US" sz="2800" dirty="0">
-              <a:solidFill>
-                <a:schemeClr val="tx1"/>
-              </a:solidFill>
-            </a:endParaRPr>
           </a:p>
         </p:txBody>
       </p:sp>
@@ -6655,18 +6464,13 @@
           <a:p>
             <a:pPr algn="ctr"/>
             <a:r>
-              <a:rPr lang="en-US" sz="2800" dirty="0" smtClean="0">
+              <a:rPr lang="en-US" sz="2800" dirty="0">
                 <a:solidFill>
                   <a:schemeClr val="tx1"/>
                 </a:solidFill>
               </a:rPr>
               <a:t>U</a:t>
             </a:r>
-            <a:endParaRPr lang="en-US" sz="2800" dirty="0">
-              <a:solidFill>
-                <a:schemeClr val="tx1"/>
-              </a:solidFill>
-            </a:endParaRPr>
           </a:p>
         </p:txBody>
       </p:sp>
@@ -6733,10 +6537,9 @@
           <a:lstStyle/>
           <a:p>
             <a:r>
-              <a:rPr lang="en-US" sz="2000" dirty="0" smtClean="0"/>
+              <a:rPr lang="en-US" sz="2000" dirty="0"/>
               <a:t>1</a:t>
             </a:r>
-            <a:endParaRPr lang="en-US" sz="2000" dirty="0"/>
           </a:p>
         </p:txBody>
       </p:sp>
@@ -6803,10 +6606,9 @@
           <a:lstStyle/>
           <a:p>
             <a:r>
-              <a:rPr lang="en-US" sz="2000" dirty="0" smtClean="0"/>
+              <a:rPr lang="en-US" sz="2000" dirty="0"/>
               <a:t>1</a:t>
             </a:r>
-            <a:endParaRPr lang="en-US" sz="2000" dirty="0"/>
           </a:p>
         </p:txBody>
       </p:sp>
@@ -6873,10 +6675,9 @@
           <a:lstStyle/>
           <a:p>
             <a:r>
-              <a:rPr lang="en-US" sz="2000" dirty="0" smtClean="0"/>
+              <a:rPr lang="en-US" sz="2000" dirty="0"/>
               <a:t>2</a:t>
             </a:r>
-            <a:endParaRPr lang="en-US" sz="2000" dirty="0"/>
           </a:p>
         </p:txBody>
       </p:sp>
@@ -6943,10 +6744,9 @@
           <a:lstStyle/>
           <a:p>
             <a:r>
-              <a:rPr lang="en-US" sz="2000" dirty="0" smtClean="0"/>
+              <a:rPr lang="en-US" sz="2000" dirty="0"/>
               <a:t>2</a:t>
             </a:r>
-            <a:endParaRPr lang="en-US" sz="2000" dirty="0"/>
           </a:p>
         </p:txBody>
       </p:sp>
@@ -7013,10 +6813,9 @@
           <a:lstStyle/>
           <a:p>
             <a:r>
-              <a:rPr lang="en-US" sz="2000" dirty="0" smtClean="0"/>
+              <a:rPr lang="en-US" sz="2000" dirty="0"/>
               <a:t>2</a:t>
             </a:r>
-            <a:endParaRPr lang="en-US" sz="2000" dirty="0"/>
           </a:p>
         </p:txBody>
       </p:sp>
